--- a/Labo9/INF2050 Lab 9.pptx
+++ b/Labo9/INF2050 Lab 9.pptx
@@ -17679,10 +17679,6 @@
           <a:bodyPr/>
           <a:lstStyle/>
           <a:p>
-            <a:r>
-              <a:rPr lang="fr-FR" dirty="0"/>
-              <a:t>Maven possède trois cycles de vie intégrés, chacun composé de phases. Nous nous intéressons principalement au cycle de vie default, qui permet de construire des logiciels à partir des sources.</a:t>
-            </a:r>
             <a:endParaRPr lang="en-CA" dirty="0"/>
           </a:p>
         </p:txBody>
@@ -17704,7 +17700,7 @@
           <a:p>
             <a:fld id="{5D3DE08C-0998-44DE-995D-41DEB0A3E36F}" type="slidenum">
               <a:rPr lang="en-CA" smtClean="0"/>
-              <a:t>2</a:t>
+              <a:t>1</a:t>
             </a:fld>
             <a:endParaRPr lang="en-CA"/>
           </a:p>
@@ -17713,7 +17709,7 @@
     </p:spTree>
     <p:extLst>
       <p:ext uri="{BB962C8B-B14F-4D97-AF65-F5344CB8AC3E}">
-        <p14:creationId xmlns:p14="http://schemas.microsoft.com/office/powerpoint/2010/main" val="4105790800"/>
+        <p14:creationId xmlns:p14="http://schemas.microsoft.com/office/powerpoint/2010/main" val="3114158338"/>
       </p:ext>
     </p:extLst>
   </p:cSld>
@@ -17767,149 +17763,10 @@
           <a:bodyPr/>
           <a:lstStyle/>
           <a:p>
-            <a:pPr>
-              <a:buNone/>
-            </a:pPr>
             <a:r>
               <a:rPr lang="fr-FR" dirty="0"/>
-              <a:t>Dans Maven, le cycle de vie par défaut comprend plusieurs phases, chacune représentant une étape clé dans le processus de construction d'un projet. </a:t>
-            </a:r>
-          </a:p>
-          <a:p>
-            <a:pPr>
-              <a:buNone/>
-            </a:pPr>
-            <a:endParaRPr lang="fr-FR" dirty="0"/>
-          </a:p>
-          <a:p>
-            <a:pPr>
-              <a:buNone/>
-            </a:pPr>
-            <a:r>
-              <a:rPr lang="fr-FR" dirty="0"/>
-              <a:t>Pour ce cours, nous allons principalement nous intéresser aux phases </a:t>
-            </a:r>
-            <a:r>
-              <a:rPr lang="fr-FR" b="1" dirty="0" err="1"/>
-              <a:t>validate</a:t>
-            </a:r>
-            <a:r>
-              <a:rPr lang="fr-FR" b="1" dirty="0"/>
-              <a:t>, compile, test, package, </a:t>
-            </a:r>
-            <a:r>
-              <a:rPr lang="fr-FR" b="1" dirty="0" err="1"/>
-              <a:t>verify</a:t>
-            </a:r>
-            <a:r>
-              <a:rPr lang="fr-FR" b="1" dirty="0"/>
-              <a:t>, </a:t>
-            </a:r>
-            <a:r>
-              <a:rPr lang="fr-FR" b="1" dirty="0" err="1"/>
-              <a:t>install</a:t>
-            </a:r>
-            <a:r>
-              <a:rPr lang="fr-FR" b="1" dirty="0"/>
-              <a:t>, </a:t>
-            </a:r>
-            <a:r>
-              <a:rPr lang="fr-FR" b="1" dirty="0" err="1"/>
-              <a:t>deploy</a:t>
-            </a:r>
-            <a:endParaRPr lang="fr-FR" dirty="0"/>
-          </a:p>
-          <a:p>
-            <a:pPr>
-              <a:buNone/>
-            </a:pPr>
-            <a:endParaRPr lang="fr-FR" dirty="0"/>
-          </a:p>
-          <a:p>
-            <a:pPr>
-              <a:buNone/>
-            </a:pPr>
-            <a:r>
-              <a:rPr lang="fr-FR" dirty="0"/>
-              <a:t>On commence par la phase </a:t>
-            </a:r>
-            <a:r>
-              <a:rPr lang="fr-FR" b="1" dirty="0" err="1"/>
-              <a:t>validate</a:t>
-            </a:r>
-            <a:r>
-              <a:rPr lang="fr-FR" dirty="0"/>
-              <a:t>, qui vérifie la structure du projet et la disponibilité des métadonnées. Ensuite, </a:t>
-            </a:r>
-            <a:r>
-              <a:rPr lang="fr-FR" b="1" dirty="0"/>
-              <a:t>compile</a:t>
-            </a:r>
-            <a:r>
-              <a:rPr lang="fr-FR" dirty="0"/>
-              <a:t> s’occupe de la compilation du code source, suivie de </a:t>
-            </a:r>
-            <a:r>
-              <a:rPr lang="fr-FR" b="1" dirty="0"/>
-              <a:t>test</a:t>
-            </a:r>
-            <a:r>
-              <a:rPr lang="fr-FR" dirty="0"/>
-              <a:t>, qui exécute les tests unitaires pour s'assurer du bon fonctionnement du code.</a:t>
-            </a:r>
-          </a:p>
-          <a:p>
-            <a:r>
-              <a:rPr lang="fr-FR" dirty="0"/>
-              <a:t>Une fois les tests réussis, la phase </a:t>
-            </a:r>
-            <a:r>
-              <a:rPr lang="fr-FR" b="1" dirty="0"/>
-              <a:t>package</a:t>
-            </a:r>
-            <a:r>
-              <a:rPr lang="fr-FR" dirty="0"/>
-              <a:t> emballe les fichiers compilés dans un format distribuable, comme un fichier JAR ou WAR. Ensuite, </a:t>
-            </a:r>
-            <a:r>
-              <a:rPr lang="fr-FR" b="1" dirty="0" err="1"/>
-              <a:t>verify</a:t>
-            </a:r>
-            <a:r>
-              <a:rPr lang="fr-FR" dirty="0"/>
-              <a:t> exécute des tests d'intégration pour valider l'artefact généré. La phase </a:t>
-            </a:r>
-            <a:r>
-              <a:rPr lang="fr-FR" b="1" dirty="0" err="1"/>
-              <a:t>install</a:t>
-            </a:r>
-            <a:r>
-              <a:rPr lang="fr-FR" dirty="0"/>
-              <a:t> permet ensuite d'installer cet artefact dans le dépôt local (.m2), afin qu'il puisse être utilisé par d'autres projets. Enfin, si configuré, la phase </a:t>
-            </a:r>
-            <a:r>
-              <a:rPr lang="fr-FR" b="1" dirty="0" err="1"/>
-              <a:t>deploy</a:t>
-            </a:r>
-            <a:r>
-              <a:rPr lang="fr-FR" dirty="0"/>
-              <a:t> envoie l’artefact vers un dépôt distant, rendant ainsi le projet accessible à d’autres équipes ou environnements.</a:t>
-            </a:r>
-            <a:br>
-              <a:rPr lang="fr-FR" dirty="0"/>
-            </a:br>
-            <a:endParaRPr lang="fr-FR" dirty="0"/>
-          </a:p>
-          <a:p>
-            <a:br>
-              <a:rPr lang="fr-FR" dirty="0"/>
-            </a:br>
-            <a:r>
-              <a:rPr lang="fr-FR" dirty="0"/>
-              <a:t>En réalité, ceci est une simplification des phases. Pour le processus détaillé, voir https://maven.apache.org/guides/introduction/introduction-to-the-lifecycle.html </a:t>
-            </a:r>
-          </a:p>
-          <a:p>
+              <a:t>Maven possède trois cycles de vie intégrés, chacun composé de phases. Nous nous intéressons principalement au cycle de vie default, qui permet de construire des logiciels à partir des sources.</a:t>
+            </a:r>
             <a:endParaRPr lang="en-CA" dirty="0"/>
           </a:p>
         </p:txBody>
@@ -17931,7 +17788,7 @@
           <a:p>
             <a:fld id="{5D3DE08C-0998-44DE-995D-41DEB0A3E36F}" type="slidenum">
               <a:rPr lang="en-CA" smtClean="0"/>
-              <a:t>3</a:t>
+              <a:t>2</a:t>
             </a:fld>
             <a:endParaRPr lang="en-CA"/>
           </a:p>
@@ -17940,7 +17797,7 @@
     </p:spTree>
     <p:extLst>
       <p:ext uri="{BB962C8B-B14F-4D97-AF65-F5344CB8AC3E}">
-        <p14:creationId xmlns:p14="http://schemas.microsoft.com/office/powerpoint/2010/main" val="2174656112"/>
+        <p14:creationId xmlns:p14="http://schemas.microsoft.com/office/powerpoint/2010/main" val="4105790800"/>
       </p:ext>
     </p:extLst>
   </p:cSld>
@@ -17994,6 +17851,233 @@
           <a:bodyPr/>
           <a:lstStyle/>
           <a:p>
+            <a:pPr>
+              <a:buNone/>
+            </a:pPr>
+            <a:r>
+              <a:rPr lang="fr-FR" dirty="0"/>
+              <a:t>Dans Maven, le cycle de vie par défaut comprend plusieurs phases, chacune représentant une étape clé dans le processus de construction d'un projet. </a:t>
+            </a:r>
+          </a:p>
+          <a:p>
+            <a:pPr>
+              <a:buNone/>
+            </a:pPr>
+            <a:endParaRPr lang="fr-FR" dirty="0"/>
+          </a:p>
+          <a:p>
+            <a:pPr>
+              <a:buNone/>
+            </a:pPr>
+            <a:r>
+              <a:rPr lang="fr-FR" dirty="0"/>
+              <a:t>Pour ce cours, nous allons principalement nous intéresser aux phases </a:t>
+            </a:r>
+            <a:r>
+              <a:rPr lang="fr-FR" b="1" dirty="0" err="1"/>
+              <a:t>validate</a:t>
+            </a:r>
+            <a:r>
+              <a:rPr lang="fr-FR" b="1" dirty="0"/>
+              <a:t>, compile, test, package, </a:t>
+            </a:r>
+            <a:r>
+              <a:rPr lang="fr-FR" b="1" dirty="0" err="1"/>
+              <a:t>verify</a:t>
+            </a:r>
+            <a:r>
+              <a:rPr lang="fr-FR" b="1" dirty="0"/>
+              <a:t>, </a:t>
+            </a:r>
+            <a:r>
+              <a:rPr lang="fr-FR" b="1" dirty="0" err="1"/>
+              <a:t>install</a:t>
+            </a:r>
+            <a:r>
+              <a:rPr lang="fr-FR" b="1" dirty="0"/>
+              <a:t>, </a:t>
+            </a:r>
+            <a:r>
+              <a:rPr lang="fr-FR" b="1" dirty="0" err="1"/>
+              <a:t>deploy</a:t>
+            </a:r>
+            <a:endParaRPr lang="fr-FR" dirty="0"/>
+          </a:p>
+          <a:p>
+            <a:pPr>
+              <a:buNone/>
+            </a:pPr>
+            <a:endParaRPr lang="fr-FR" dirty="0"/>
+          </a:p>
+          <a:p>
+            <a:pPr>
+              <a:buNone/>
+            </a:pPr>
+            <a:r>
+              <a:rPr lang="fr-FR" dirty="0"/>
+              <a:t>On commence par la phase </a:t>
+            </a:r>
+            <a:r>
+              <a:rPr lang="fr-FR" b="1" dirty="0" err="1"/>
+              <a:t>validate</a:t>
+            </a:r>
+            <a:r>
+              <a:rPr lang="fr-FR" dirty="0"/>
+              <a:t>, qui vérifie la structure du projet et la disponibilité des métadonnées. Ensuite, </a:t>
+            </a:r>
+            <a:r>
+              <a:rPr lang="fr-FR" b="1" dirty="0"/>
+              <a:t>compile</a:t>
+            </a:r>
+            <a:r>
+              <a:rPr lang="fr-FR" dirty="0"/>
+              <a:t> s’occupe de la compilation du code source, suivie de </a:t>
+            </a:r>
+            <a:r>
+              <a:rPr lang="fr-FR" b="1" dirty="0"/>
+              <a:t>test</a:t>
+            </a:r>
+            <a:r>
+              <a:rPr lang="fr-FR" dirty="0"/>
+              <a:t>, qui exécute les tests unitaires pour s'assurer du bon fonctionnement du code.</a:t>
+            </a:r>
+          </a:p>
+          <a:p>
+            <a:r>
+              <a:rPr lang="fr-FR" dirty="0"/>
+              <a:t>Une fois les tests réussis, la phase </a:t>
+            </a:r>
+            <a:r>
+              <a:rPr lang="fr-FR" b="1" dirty="0"/>
+              <a:t>package</a:t>
+            </a:r>
+            <a:r>
+              <a:rPr lang="fr-FR" dirty="0"/>
+              <a:t> emballe les fichiers compilés dans un format distribuable, comme un fichier JAR ou WAR. Ensuite, </a:t>
+            </a:r>
+            <a:r>
+              <a:rPr lang="fr-FR" b="1" dirty="0" err="1"/>
+              <a:t>verify</a:t>
+            </a:r>
+            <a:r>
+              <a:rPr lang="fr-FR" dirty="0"/>
+              <a:t> exécute des tests d'intégration pour valider l'artefact généré. La phase </a:t>
+            </a:r>
+            <a:r>
+              <a:rPr lang="fr-FR" b="1" dirty="0" err="1"/>
+              <a:t>install</a:t>
+            </a:r>
+            <a:r>
+              <a:rPr lang="fr-FR" dirty="0"/>
+              <a:t> permet ensuite d'installer cet artefact dans le dépôt local (.m2), afin qu'il puisse être utilisé par d'autres projets. Enfin, si configuré, la phase </a:t>
+            </a:r>
+            <a:r>
+              <a:rPr lang="fr-FR" b="1" dirty="0" err="1"/>
+              <a:t>deploy</a:t>
+            </a:r>
+            <a:r>
+              <a:rPr lang="fr-FR" dirty="0"/>
+              <a:t> envoie l’artefact vers un dépôt distant, rendant ainsi le projet accessible à d’autres équipes ou environnements.</a:t>
+            </a:r>
+            <a:br>
+              <a:rPr lang="fr-FR" dirty="0"/>
+            </a:br>
+            <a:endParaRPr lang="fr-FR" dirty="0"/>
+          </a:p>
+          <a:p>
+            <a:br>
+              <a:rPr lang="fr-FR" dirty="0"/>
+            </a:br>
+            <a:r>
+              <a:rPr lang="fr-FR" dirty="0"/>
+              <a:t>En réalité, ceci est une simplification des phases. Pour le processus détaillé, voir https://maven.apache.org/guides/introduction/introduction-to-the-lifecycle.html </a:t>
+            </a:r>
+          </a:p>
+          <a:p>
+            <a:endParaRPr lang="en-CA" dirty="0"/>
+          </a:p>
+        </p:txBody>
+      </p:sp>
+      <p:sp>
+        <p:nvSpPr>
+          <p:cNvPr id="4" name="Slide Number Placeholder 3"/>
+          <p:cNvSpPr>
+            <a:spLocks noGrp="1"/>
+          </p:cNvSpPr>
+          <p:nvPr>
+            <p:ph type="sldNum" sz="quarter" idx="5"/>
+          </p:nvPr>
+        </p:nvSpPr>
+        <p:spPr/>
+        <p:txBody>
+          <a:bodyPr/>
+          <a:lstStyle/>
+          <a:p>
+            <a:fld id="{5D3DE08C-0998-44DE-995D-41DEB0A3E36F}" type="slidenum">
+              <a:rPr lang="en-CA" smtClean="0"/>
+              <a:t>3</a:t>
+            </a:fld>
+            <a:endParaRPr lang="en-CA"/>
+          </a:p>
+        </p:txBody>
+      </p:sp>
+    </p:spTree>
+    <p:extLst>
+      <p:ext uri="{BB962C8B-B14F-4D97-AF65-F5344CB8AC3E}">
+        <p14:creationId xmlns:p14="http://schemas.microsoft.com/office/powerpoint/2010/main" val="2174656112"/>
+      </p:ext>
+    </p:extLst>
+  </p:cSld>
+  <p:clrMapOvr>
+    <a:masterClrMapping/>
+  </p:clrMapOvr>
+</p:notes>
+</file>
+
+<file path=ppt/notesSlides/notesSlide4.xml><?xml version="1.0" encoding="utf-8"?>
+<p:notes xmlns:a="http://schemas.openxmlformats.org/drawingml/2006/main" xmlns:r="http://schemas.openxmlformats.org/officeDocument/2006/relationships" xmlns:p="http://schemas.openxmlformats.org/presentationml/2006/main">
+  <p:cSld>
+    <p:spTree>
+      <p:nvGrpSpPr>
+        <p:cNvPr id="1" name=""/>
+        <p:cNvGrpSpPr/>
+        <p:nvPr/>
+      </p:nvGrpSpPr>
+      <p:grpSpPr>
+        <a:xfrm>
+          <a:off x="0" y="0"/>
+          <a:ext cx="0" cy="0"/>
+          <a:chOff x="0" y="0"/>
+          <a:chExt cx="0" cy="0"/>
+        </a:xfrm>
+      </p:grpSpPr>
+      <p:sp>
+        <p:nvSpPr>
+          <p:cNvPr id="2" name="Slide Image Placeholder 1"/>
+          <p:cNvSpPr>
+            <a:spLocks noGrp="1" noRot="1" noChangeAspect="1"/>
+          </p:cNvSpPr>
+          <p:nvPr>
+            <p:ph type="sldImg"/>
+          </p:nvPr>
+        </p:nvSpPr>
+        <p:spPr/>
+      </p:sp>
+      <p:sp>
+        <p:nvSpPr>
+          <p:cNvPr id="3" name="Notes Placeholder 2"/>
+          <p:cNvSpPr>
+            <a:spLocks noGrp="1"/>
+          </p:cNvSpPr>
+          <p:nvPr>
+            <p:ph type="body" idx="1"/>
+          </p:nvPr>
+        </p:nvSpPr>
+        <p:spPr/>
+        <p:txBody>
+          <a:bodyPr/>
+          <a:lstStyle/>
+          <a:p>
             <a:r>
               <a:rPr lang="fr-FR" dirty="0"/>
               <a:t>Le cycle de vie "</a:t>
@@ -18062,7 +18146,7 @@
 </p:notes>
 </file>
 
-<file path=ppt/notesSlides/notesSlide4.xml><?xml version="1.0" encoding="utf-8"?>
+<file path=ppt/notesSlides/notesSlide5.xml><?xml version="1.0" encoding="utf-8"?>
 <p:notes xmlns:a="http://schemas.openxmlformats.org/drawingml/2006/main" xmlns:r="http://schemas.openxmlformats.org/officeDocument/2006/relationships" xmlns:p="http://schemas.openxmlformats.org/presentationml/2006/main">
   <p:cSld>
     <p:spTree>
@@ -18225,7 +18309,7 @@
 </p:notes>
 </file>
 
-<file path=ppt/notesSlides/notesSlide5.xml><?xml version="1.0" encoding="utf-8"?>
+<file path=ppt/notesSlides/notesSlide6.xml><?xml version="1.0" encoding="utf-8"?>
 <p:notes xmlns:a="http://schemas.openxmlformats.org/drawingml/2006/main" xmlns:r="http://schemas.openxmlformats.org/officeDocument/2006/relationships" xmlns:p="http://schemas.openxmlformats.org/presentationml/2006/main">
   <p:cSld>
     <p:spTree>
@@ -18376,7 +18460,7 @@
 </p:notes>
 </file>
 
-<file path=ppt/notesSlides/notesSlide6.xml><?xml version="1.0" encoding="utf-8"?>
+<file path=ppt/notesSlides/notesSlide7.xml><?xml version="1.0" encoding="utf-8"?>
 <p:notes xmlns:a="http://schemas.openxmlformats.org/drawingml/2006/main" xmlns:r="http://schemas.openxmlformats.org/officeDocument/2006/relationships" xmlns:p="http://schemas.openxmlformats.org/presentationml/2006/main">
   <p:cSld>
     <p:spTree>
@@ -18460,7 +18544,7 @@
 </p:notes>
 </file>
 
-<file path=ppt/notesSlides/notesSlide7.xml><?xml version="1.0" encoding="utf-8"?>
+<file path=ppt/notesSlides/notesSlide8.xml><?xml version="1.0" encoding="utf-8"?>
 <p:notes xmlns:a="http://schemas.openxmlformats.org/drawingml/2006/main" xmlns:r="http://schemas.openxmlformats.org/officeDocument/2006/relationships" xmlns:p="http://schemas.openxmlformats.org/presentationml/2006/main">
   <p:cSld>
     <p:spTree>
@@ -18564,7 +18648,7 @@
 </p:notes>
 </file>
 
-<file path=ppt/notesSlides/notesSlide8.xml><?xml version="1.0" encoding="utf-8"?>
+<file path=ppt/notesSlides/notesSlide9.xml><?xml version="1.0" encoding="utf-8"?>
 <p:notes xmlns:a="http://schemas.openxmlformats.org/drawingml/2006/main" xmlns:r="http://schemas.openxmlformats.org/officeDocument/2006/relationships" xmlns:p="http://schemas.openxmlformats.org/presentationml/2006/main">
   <p:cSld>
     <p:spTree>
@@ -26101,7 +26185,7 @@
           <p:nvPr/>
         </p:nvPicPr>
         <p:blipFill>
-          <a:blip r:embed="rId2"/>
+          <a:blip r:embed="rId3"/>
           <a:srcRect r="3" b="3"/>
           <a:stretch/>
         </p:blipFill>
@@ -27137,7 +27221,16 @@
           <a:bodyPr/>
           <a:lstStyle/>
           <a:p>
-            <a:endParaRPr lang="en-CA"/>
+            <a:r>
+              <a:rPr lang="en-CA">
+                <a:hlinkClick r:id="rId2"/>
+              </a:rPr>
+              <a:t>https://create.kahoot.it/share/inf2050-lab-9/77cea4bf-ae9a-4885-9bd9-a03f10e626f2</a:t>
+            </a:r>
+            <a:r>
+              <a:rPr lang="en-CA"/>
+              <a:t> </a:t>
+            </a:r>
           </a:p>
         </p:txBody>
       </p:sp>
